--- a/images/WORLD CUP MATCHES.pptx
+++ b/images/WORLD CUP MATCHES.pptx
@@ -7,12 +7,18 @@
   <p:sldIdLst>
     <p:sldId id="256" r:id="rId2"/>
     <p:sldId id="257" r:id="rId3"/>
-    <p:sldId id="258" r:id="rId4"/>
-    <p:sldId id="259" r:id="rId5"/>
-    <p:sldId id="260" r:id="rId6"/>
-    <p:sldId id="261" r:id="rId7"/>
-    <p:sldId id="262" r:id="rId8"/>
-    <p:sldId id="263" r:id="rId9"/>
+    <p:sldId id="264" r:id="rId4"/>
+    <p:sldId id="258" r:id="rId5"/>
+    <p:sldId id="265" r:id="rId6"/>
+    <p:sldId id="259" r:id="rId7"/>
+    <p:sldId id="266" r:id="rId8"/>
+    <p:sldId id="260" r:id="rId9"/>
+    <p:sldId id="267" r:id="rId10"/>
+    <p:sldId id="261" r:id="rId11"/>
+    <p:sldId id="268" r:id="rId12"/>
+    <p:sldId id="262" r:id="rId13"/>
+    <p:sldId id="263" r:id="rId14"/>
+    <p:sldId id="269" r:id="rId15"/>
   </p:sldIdLst>
   <p:sldSz cx="12192000" cy="6858000"/>
   <p:notesSz cx="6858000" cy="9144000"/>
@@ -119,8 +125,268 @@
 </p:presentation>
 </file>
 
+<file path=ppt/revisionInfo.xml><?xml version="1.0" encoding="utf-8"?>
+<p1510:revInfo xmlns:a="http://schemas.openxmlformats.org/drawingml/2006/main" xmlns:r="http://schemas.openxmlformats.org/officeDocument/2006/relationships" xmlns:p1510="http://schemas.microsoft.com/office/powerpoint/2015/10/main">
+  <p1510:revLst>
+    <p1510:client id="{A1822242-92E0-4BE9-85FB-B17852D515F3}" v="6" dt="2025-07-18T08:07:36.840"/>
+  </p1510:revLst>
+</p1510:revInfo>
+</file>
+
 <file path=ppt/changesInfos/changesInfo1.xml><?xml version="1.0" encoding="utf-8"?>
 <pc:chgInfo xmlns:a="http://schemas.openxmlformats.org/drawingml/2006/main" xmlns:r="http://schemas.openxmlformats.org/officeDocument/2006/relationships" xmlns:ac="http://schemas.microsoft.com/office/drawing/2013/main/command" xmlns:pc="http://schemas.microsoft.com/office/powerpoint/2013/main/command">
+  <pc:docChgLst>
+    <pc:chgData name="Shalini Kupparaju" userId="f2abd47b8b13236a" providerId="LiveId" clId="{A1822242-92E0-4BE9-85FB-B17852D515F3}"/>
+    <pc:docChg chg="custSel addSld modSld">
+      <pc:chgData name="Shalini Kupparaju" userId="f2abd47b8b13236a" providerId="LiveId" clId="{A1822242-92E0-4BE9-85FB-B17852D515F3}" dt="2025-07-18T08:07:53.062" v="56" actId="1076"/>
+      <pc:docMkLst>
+        <pc:docMk/>
+      </pc:docMkLst>
+      <pc:sldChg chg="delSp modSp mod">
+        <pc:chgData name="Shalini Kupparaju" userId="f2abd47b8b13236a" providerId="LiveId" clId="{A1822242-92E0-4BE9-85FB-B17852D515F3}" dt="2025-07-18T08:04:27.033" v="5" actId="14100"/>
+        <pc:sldMkLst>
+          <pc:docMk/>
+          <pc:sldMk cId="2969943686" sldId="257"/>
+        </pc:sldMkLst>
+        <pc:picChg chg="mod">
+          <ac:chgData name="Shalini Kupparaju" userId="f2abd47b8b13236a" providerId="LiveId" clId="{A1822242-92E0-4BE9-85FB-B17852D515F3}" dt="2025-07-18T08:04:27.033" v="5" actId="14100"/>
+          <ac:picMkLst>
+            <pc:docMk/>
+            <pc:sldMk cId="2969943686" sldId="257"/>
+            <ac:picMk id="3" creationId="{74613C30-976B-47A5-AE84-DE1E7678C351}"/>
+          </ac:picMkLst>
+        </pc:picChg>
+        <pc:picChg chg="del">
+          <ac:chgData name="Shalini Kupparaju" userId="f2abd47b8b13236a" providerId="LiveId" clId="{A1822242-92E0-4BE9-85FB-B17852D515F3}" dt="2025-07-18T08:04:10.895" v="1" actId="21"/>
+          <ac:picMkLst>
+            <pc:docMk/>
+            <pc:sldMk cId="2969943686" sldId="257"/>
+            <ac:picMk id="5" creationId="{768446EA-EFD8-5378-E9C5-22AF7BC08853}"/>
+          </ac:picMkLst>
+        </pc:picChg>
+      </pc:sldChg>
+      <pc:sldChg chg="delSp modSp mod">
+        <pc:chgData name="Shalini Kupparaju" userId="f2abd47b8b13236a" providerId="LiveId" clId="{A1822242-92E0-4BE9-85FB-B17852D515F3}" dt="2025-07-18T08:05:15.338" v="15" actId="14100"/>
+        <pc:sldMkLst>
+          <pc:docMk/>
+          <pc:sldMk cId="6089360" sldId="258"/>
+        </pc:sldMkLst>
+        <pc:picChg chg="mod">
+          <ac:chgData name="Shalini Kupparaju" userId="f2abd47b8b13236a" providerId="LiveId" clId="{A1822242-92E0-4BE9-85FB-B17852D515F3}" dt="2025-07-18T08:05:15.338" v="15" actId="14100"/>
+          <ac:picMkLst>
+            <pc:docMk/>
+            <pc:sldMk cId="6089360" sldId="258"/>
+            <ac:picMk id="3" creationId="{3C73CA8F-4927-86A4-839C-142F78E03216}"/>
+          </ac:picMkLst>
+        </pc:picChg>
+        <pc:picChg chg="del">
+          <ac:chgData name="Shalini Kupparaju" userId="f2abd47b8b13236a" providerId="LiveId" clId="{A1822242-92E0-4BE9-85FB-B17852D515F3}" dt="2025-07-18T08:04:56.809" v="11" actId="21"/>
+          <ac:picMkLst>
+            <pc:docMk/>
+            <pc:sldMk cId="6089360" sldId="258"/>
+            <ac:picMk id="5" creationId="{6AD9822B-FD79-7A08-1FE6-6E57834B5C6E}"/>
+          </ac:picMkLst>
+        </pc:picChg>
+      </pc:sldChg>
+      <pc:sldChg chg="delSp modSp mod">
+        <pc:chgData name="Shalini Kupparaju" userId="f2abd47b8b13236a" providerId="LiveId" clId="{A1822242-92E0-4BE9-85FB-B17852D515F3}" dt="2025-07-18T08:05:48.876" v="24" actId="1076"/>
+        <pc:sldMkLst>
+          <pc:docMk/>
+          <pc:sldMk cId="2840085054" sldId="259"/>
+        </pc:sldMkLst>
+        <pc:picChg chg="mod">
+          <ac:chgData name="Shalini Kupparaju" userId="f2abd47b8b13236a" providerId="LiveId" clId="{A1822242-92E0-4BE9-85FB-B17852D515F3}" dt="2025-07-18T08:05:48.876" v="24" actId="1076"/>
+          <ac:picMkLst>
+            <pc:docMk/>
+            <pc:sldMk cId="2840085054" sldId="259"/>
+            <ac:picMk id="3" creationId="{89DBEE07-4F39-5D0B-FDC4-87D507BEB428}"/>
+          </ac:picMkLst>
+        </pc:picChg>
+        <pc:picChg chg="del">
+          <ac:chgData name="Shalini Kupparaju" userId="f2abd47b8b13236a" providerId="LiveId" clId="{A1822242-92E0-4BE9-85FB-B17852D515F3}" dt="2025-07-18T08:05:37.405" v="21" actId="21"/>
+          <ac:picMkLst>
+            <pc:docMk/>
+            <pc:sldMk cId="2840085054" sldId="259"/>
+            <ac:picMk id="5" creationId="{C4BBE2B5-29B2-2822-DAB5-128BDD5669A4}"/>
+          </ac:picMkLst>
+        </pc:picChg>
+      </pc:sldChg>
+      <pc:sldChg chg="delSp modSp mod">
+        <pc:chgData name="Shalini Kupparaju" userId="f2abd47b8b13236a" providerId="LiveId" clId="{A1822242-92E0-4BE9-85FB-B17852D515F3}" dt="2025-07-18T08:06:23.925" v="35" actId="14100"/>
+        <pc:sldMkLst>
+          <pc:docMk/>
+          <pc:sldMk cId="2661567648" sldId="260"/>
+        </pc:sldMkLst>
+        <pc:picChg chg="mod">
+          <ac:chgData name="Shalini Kupparaju" userId="f2abd47b8b13236a" providerId="LiveId" clId="{A1822242-92E0-4BE9-85FB-B17852D515F3}" dt="2025-07-18T08:06:23.925" v="35" actId="14100"/>
+          <ac:picMkLst>
+            <pc:docMk/>
+            <pc:sldMk cId="2661567648" sldId="260"/>
+            <ac:picMk id="3" creationId="{A32BEB90-4EC3-CE4D-33E8-D58A7413945D}"/>
+          </ac:picMkLst>
+        </pc:picChg>
+        <pc:picChg chg="del">
+          <ac:chgData name="Shalini Kupparaju" userId="f2abd47b8b13236a" providerId="LiveId" clId="{A1822242-92E0-4BE9-85FB-B17852D515F3}" dt="2025-07-18T08:06:11.304" v="30" actId="21"/>
+          <ac:picMkLst>
+            <pc:docMk/>
+            <pc:sldMk cId="2661567648" sldId="260"/>
+            <ac:picMk id="5" creationId="{6F4B1C48-A028-3180-F522-2259867B3B24}"/>
+          </ac:picMkLst>
+        </pc:picChg>
+      </pc:sldChg>
+      <pc:sldChg chg="delSp modSp mod">
+        <pc:chgData name="Shalini Kupparaju" userId="f2abd47b8b13236a" providerId="LiveId" clId="{A1822242-92E0-4BE9-85FB-B17852D515F3}" dt="2025-07-18T08:06:53.147" v="43" actId="14100"/>
+        <pc:sldMkLst>
+          <pc:docMk/>
+          <pc:sldMk cId="1234199746" sldId="261"/>
+        </pc:sldMkLst>
+        <pc:picChg chg="mod">
+          <ac:chgData name="Shalini Kupparaju" userId="f2abd47b8b13236a" providerId="LiveId" clId="{A1822242-92E0-4BE9-85FB-B17852D515F3}" dt="2025-07-18T08:06:53.147" v="43" actId="14100"/>
+          <ac:picMkLst>
+            <pc:docMk/>
+            <pc:sldMk cId="1234199746" sldId="261"/>
+            <ac:picMk id="3" creationId="{5D6D6816-B757-EA5A-950D-2B05C16ECAF1}"/>
+          </ac:picMkLst>
+        </pc:picChg>
+        <pc:picChg chg="del">
+          <ac:chgData name="Shalini Kupparaju" userId="f2abd47b8b13236a" providerId="LiveId" clId="{A1822242-92E0-4BE9-85FB-B17852D515F3}" dt="2025-07-18T08:06:45.834" v="41" actId="21"/>
+          <ac:picMkLst>
+            <pc:docMk/>
+            <pc:sldMk cId="1234199746" sldId="261"/>
+            <ac:picMk id="5" creationId="{973B6BCC-EE48-CFA6-5AD8-12E6CF291F6F}"/>
+          </ac:picMkLst>
+        </pc:picChg>
+      </pc:sldChg>
+      <pc:sldChg chg="modSp mod">
+        <pc:chgData name="Shalini Kupparaju" userId="f2abd47b8b13236a" providerId="LiveId" clId="{A1822242-92E0-4BE9-85FB-B17852D515F3}" dt="2025-07-18T08:07:14.202" v="48" actId="1076"/>
+        <pc:sldMkLst>
+          <pc:docMk/>
+          <pc:sldMk cId="3793310565" sldId="262"/>
+        </pc:sldMkLst>
+        <pc:picChg chg="mod">
+          <ac:chgData name="Shalini Kupparaju" userId="f2abd47b8b13236a" providerId="LiveId" clId="{A1822242-92E0-4BE9-85FB-B17852D515F3}" dt="2025-07-18T08:07:14.202" v="48" actId="1076"/>
+          <ac:picMkLst>
+            <pc:docMk/>
+            <pc:sldMk cId="3793310565" sldId="262"/>
+            <ac:picMk id="3" creationId="{3E15631F-A206-C960-DA50-576FC96FD1A9}"/>
+          </ac:picMkLst>
+        </pc:picChg>
+      </pc:sldChg>
+      <pc:sldChg chg="delSp modSp mod">
+        <pc:chgData name="Shalini Kupparaju" userId="f2abd47b8b13236a" providerId="LiveId" clId="{A1822242-92E0-4BE9-85FB-B17852D515F3}" dt="2025-07-18T08:07:45.510" v="53" actId="14100"/>
+        <pc:sldMkLst>
+          <pc:docMk/>
+          <pc:sldMk cId="216352637" sldId="263"/>
+        </pc:sldMkLst>
+        <pc:picChg chg="del">
+          <ac:chgData name="Shalini Kupparaju" userId="f2abd47b8b13236a" providerId="LiveId" clId="{A1822242-92E0-4BE9-85FB-B17852D515F3}" dt="2025-07-18T08:07:34.848" v="50" actId="21"/>
+          <ac:picMkLst>
+            <pc:docMk/>
+            <pc:sldMk cId="216352637" sldId="263"/>
+            <ac:picMk id="3" creationId="{63693925-9699-79ED-7649-E090F269A042}"/>
+          </ac:picMkLst>
+        </pc:picChg>
+        <pc:picChg chg="mod">
+          <ac:chgData name="Shalini Kupparaju" userId="f2abd47b8b13236a" providerId="LiveId" clId="{A1822242-92E0-4BE9-85FB-B17852D515F3}" dt="2025-07-18T08:07:45.510" v="53" actId="14100"/>
+          <ac:picMkLst>
+            <pc:docMk/>
+            <pc:sldMk cId="216352637" sldId="263"/>
+            <ac:picMk id="5" creationId="{4A1E549F-595F-817D-8E5A-2AB11337F5BD}"/>
+          </ac:picMkLst>
+        </pc:picChg>
+      </pc:sldChg>
+      <pc:sldChg chg="addSp modSp new mod">
+        <pc:chgData name="Shalini Kupparaju" userId="f2abd47b8b13236a" providerId="LiveId" clId="{A1822242-92E0-4BE9-85FB-B17852D515F3}" dt="2025-07-18T08:04:43.461" v="9" actId="1076"/>
+        <pc:sldMkLst>
+          <pc:docMk/>
+          <pc:sldMk cId="3380912468" sldId="264"/>
+        </pc:sldMkLst>
+        <pc:picChg chg="add mod">
+          <ac:chgData name="Shalini Kupparaju" userId="f2abd47b8b13236a" providerId="LiveId" clId="{A1822242-92E0-4BE9-85FB-B17852D515F3}" dt="2025-07-18T08:04:43.461" v="9" actId="1076"/>
+          <ac:picMkLst>
+            <pc:docMk/>
+            <pc:sldMk cId="3380912468" sldId="264"/>
+            <ac:picMk id="5" creationId="{768446EA-EFD8-5378-E9C5-22AF7BC08853}"/>
+          </ac:picMkLst>
+        </pc:picChg>
+      </pc:sldChg>
+      <pc:sldChg chg="addSp modSp new mod">
+        <pc:chgData name="Shalini Kupparaju" userId="f2abd47b8b13236a" providerId="LiveId" clId="{A1822242-92E0-4BE9-85FB-B17852D515F3}" dt="2025-07-18T08:05:27.625" v="19" actId="14100"/>
+        <pc:sldMkLst>
+          <pc:docMk/>
+          <pc:sldMk cId="1752433674" sldId="265"/>
+        </pc:sldMkLst>
+        <pc:picChg chg="add mod">
+          <ac:chgData name="Shalini Kupparaju" userId="f2abd47b8b13236a" providerId="LiveId" clId="{A1822242-92E0-4BE9-85FB-B17852D515F3}" dt="2025-07-18T08:05:27.625" v="19" actId="14100"/>
+          <ac:picMkLst>
+            <pc:docMk/>
+            <pc:sldMk cId="1752433674" sldId="265"/>
+            <ac:picMk id="5" creationId="{6AD9822B-FD79-7A08-1FE6-6E57834B5C6E}"/>
+          </ac:picMkLst>
+        </pc:picChg>
+      </pc:sldChg>
+      <pc:sldChg chg="addSp modSp new mod">
+        <pc:chgData name="Shalini Kupparaju" userId="f2abd47b8b13236a" providerId="LiveId" clId="{A1822242-92E0-4BE9-85FB-B17852D515F3}" dt="2025-07-18T08:06:02.267" v="28" actId="14100"/>
+        <pc:sldMkLst>
+          <pc:docMk/>
+          <pc:sldMk cId="161976504" sldId="266"/>
+        </pc:sldMkLst>
+        <pc:picChg chg="add mod">
+          <ac:chgData name="Shalini Kupparaju" userId="f2abd47b8b13236a" providerId="LiveId" clId="{A1822242-92E0-4BE9-85FB-B17852D515F3}" dt="2025-07-18T08:06:02.267" v="28" actId="14100"/>
+          <ac:picMkLst>
+            <pc:docMk/>
+            <pc:sldMk cId="161976504" sldId="266"/>
+            <ac:picMk id="5" creationId="{C4BBE2B5-29B2-2822-DAB5-128BDD5669A4}"/>
+          </ac:picMkLst>
+        </pc:picChg>
+      </pc:sldChg>
+      <pc:sldChg chg="addSp modSp new mod">
+        <pc:chgData name="Shalini Kupparaju" userId="f2abd47b8b13236a" providerId="LiveId" clId="{A1822242-92E0-4BE9-85FB-B17852D515F3}" dt="2025-07-18T08:06:36.929" v="39" actId="14100"/>
+        <pc:sldMkLst>
+          <pc:docMk/>
+          <pc:sldMk cId="725361783" sldId="267"/>
+        </pc:sldMkLst>
+        <pc:picChg chg="add mod">
+          <ac:chgData name="Shalini Kupparaju" userId="f2abd47b8b13236a" providerId="LiveId" clId="{A1822242-92E0-4BE9-85FB-B17852D515F3}" dt="2025-07-18T08:06:36.929" v="39" actId="14100"/>
+          <ac:picMkLst>
+            <pc:docMk/>
+            <pc:sldMk cId="725361783" sldId="267"/>
+            <ac:picMk id="5" creationId="{6F4B1C48-A028-3180-F522-2259867B3B24}"/>
+          </ac:picMkLst>
+        </pc:picChg>
+      </pc:sldChg>
+      <pc:sldChg chg="addSp modSp new mod">
+        <pc:chgData name="Shalini Kupparaju" userId="f2abd47b8b13236a" providerId="LiveId" clId="{A1822242-92E0-4BE9-85FB-B17852D515F3}" dt="2025-07-18T08:07:02.719" v="46" actId="14100"/>
+        <pc:sldMkLst>
+          <pc:docMk/>
+          <pc:sldMk cId="3737438413" sldId="268"/>
+        </pc:sldMkLst>
+        <pc:picChg chg="add mod">
+          <ac:chgData name="Shalini Kupparaju" userId="f2abd47b8b13236a" providerId="LiveId" clId="{A1822242-92E0-4BE9-85FB-B17852D515F3}" dt="2025-07-18T08:07:02.719" v="46" actId="14100"/>
+          <ac:picMkLst>
+            <pc:docMk/>
+            <pc:sldMk cId="3737438413" sldId="268"/>
+            <ac:picMk id="5" creationId="{973B6BCC-EE48-CFA6-5AD8-12E6CF291F6F}"/>
+          </ac:picMkLst>
+        </pc:picChg>
+      </pc:sldChg>
+      <pc:sldChg chg="addSp modSp new mod">
+        <pc:chgData name="Shalini Kupparaju" userId="f2abd47b8b13236a" providerId="LiveId" clId="{A1822242-92E0-4BE9-85FB-B17852D515F3}" dt="2025-07-18T08:07:53.062" v="56" actId="1076"/>
+        <pc:sldMkLst>
+          <pc:docMk/>
+          <pc:sldMk cId="1200055323" sldId="269"/>
+        </pc:sldMkLst>
+        <pc:picChg chg="add mod">
+          <ac:chgData name="Shalini Kupparaju" userId="f2abd47b8b13236a" providerId="LiveId" clId="{A1822242-92E0-4BE9-85FB-B17852D515F3}" dt="2025-07-18T08:07:53.062" v="56" actId="1076"/>
+          <ac:picMkLst>
+            <pc:docMk/>
+            <pc:sldMk cId="1200055323" sldId="269"/>
+            <ac:picMk id="3" creationId="{63693925-9699-79ED-7649-E090F269A042}"/>
+          </ac:picMkLst>
+        </pc:picChg>
+      </pc:sldChg>
+    </pc:docChg>
+  </pc:docChgLst>
   <pc:docChgLst>
     <pc:chgData name="Shalini Kupparaju" userId="f2abd47b8b13236a" providerId="LiveId" clId="{052DCEA4-A377-4F45-A164-D3CCFE63CE3F}"/>
     <pc:docChg chg="modSld">
@@ -422,7 +688,7 @@
           <a:p>
             <a:fld id="{3D9A6879-3A68-4662-AD2C-B2F027DDAF67}" type="datetimeFigureOut">
               <a:rPr lang="en-IN" smtClean="0"/>
-              <a:t>10-05-2025</a:t>
+              <a:t>18-07-2025</a:t>
             </a:fld>
             <a:endParaRPr lang="en-IN"/>
           </a:p>
@@ -836,7 +1102,7 @@
           <a:p>
             <a:fld id="{3D9A6879-3A68-4662-AD2C-B2F027DDAF67}" type="datetimeFigureOut">
               <a:rPr lang="en-IN" smtClean="0"/>
-              <a:t>10-05-2025</a:t>
+              <a:t>18-07-2025</a:t>
             </a:fld>
             <a:endParaRPr lang="en-IN"/>
           </a:p>
@@ -1172,7 +1438,7 @@
           <a:p>
             <a:fld id="{3D9A6879-3A68-4662-AD2C-B2F027DDAF67}" type="datetimeFigureOut">
               <a:rPr lang="en-IN" smtClean="0"/>
-              <a:t>10-05-2025</a:t>
+              <a:t>18-07-2025</a:t>
             </a:fld>
             <a:endParaRPr lang="en-IN"/>
           </a:p>
@@ -1577,7 +1843,7 @@
           <a:p>
             <a:fld id="{3D9A6879-3A68-4662-AD2C-B2F027DDAF67}" type="datetimeFigureOut">
               <a:rPr lang="en-IN" smtClean="0"/>
-              <a:t>10-05-2025</a:t>
+              <a:t>18-07-2025</a:t>
             </a:fld>
             <a:endParaRPr lang="en-IN"/>
           </a:p>
@@ -2145,7 +2411,7 @@
           <a:p>
             <a:fld id="{3D9A6879-3A68-4662-AD2C-B2F027DDAF67}" type="datetimeFigureOut">
               <a:rPr lang="en-IN" smtClean="0"/>
-              <a:t>10-05-2025</a:t>
+              <a:t>18-07-2025</a:t>
             </a:fld>
             <a:endParaRPr lang="en-IN"/>
           </a:p>
@@ -2826,7 +3092,7 @@
           <a:p>
             <a:fld id="{3D9A6879-3A68-4662-AD2C-B2F027DDAF67}" type="datetimeFigureOut">
               <a:rPr lang="en-IN" smtClean="0"/>
-              <a:t>10-05-2025</a:t>
+              <a:t>18-07-2025</a:t>
             </a:fld>
             <a:endParaRPr lang="en-IN"/>
           </a:p>
@@ -3739,7 +4005,7 @@
           <a:p>
             <a:fld id="{3D9A6879-3A68-4662-AD2C-B2F027DDAF67}" type="datetimeFigureOut">
               <a:rPr lang="en-IN" smtClean="0"/>
-              <a:t>10-05-2025</a:t>
+              <a:t>18-07-2025</a:t>
             </a:fld>
             <a:endParaRPr lang="en-IN"/>
           </a:p>
@@ -4052,7 +4318,7 @@
           <a:p>
             <a:fld id="{3D9A6879-3A68-4662-AD2C-B2F027DDAF67}" type="datetimeFigureOut">
               <a:rPr lang="en-IN" smtClean="0"/>
-              <a:t>10-05-2025</a:t>
+              <a:t>18-07-2025</a:t>
             </a:fld>
             <a:endParaRPr lang="en-IN"/>
           </a:p>
@@ -4316,7 +4582,7 @@
           <a:p>
             <a:fld id="{3D9A6879-3A68-4662-AD2C-B2F027DDAF67}" type="datetimeFigureOut">
               <a:rPr lang="en-IN" smtClean="0"/>
-              <a:t>10-05-2025</a:t>
+              <a:t>18-07-2025</a:t>
             </a:fld>
             <a:endParaRPr lang="en-IN"/>
           </a:p>
@@ -4639,7 +4905,7 @@
           <a:p>
             <a:fld id="{3D9A6879-3A68-4662-AD2C-B2F027DDAF67}" type="datetimeFigureOut">
               <a:rPr lang="en-IN" smtClean="0"/>
-              <a:t>10-05-2025</a:t>
+              <a:t>18-07-2025</a:t>
             </a:fld>
             <a:endParaRPr lang="en-IN"/>
           </a:p>
@@ -5028,7 +5294,7 @@
           <a:p>
             <a:fld id="{3D9A6879-3A68-4662-AD2C-B2F027DDAF67}" type="datetimeFigureOut">
               <a:rPr lang="en-IN" smtClean="0"/>
-              <a:t>10-05-2025</a:t>
+              <a:t>18-07-2025</a:t>
             </a:fld>
             <a:endParaRPr lang="en-IN"/>
           </a:p>
@@ -5404,7 +5670,7 @@
           <a:p>
             <a:fld id="{3D9A6879-3A68-4662-AD2C-B2F027DDAF67}" type="datetimeFigureOut">
               <a:rPr lang="en-IN" smtClean="0"/>
-              <a:t>10-05-2025</a:t>
+              <a:t>18-07-2025</a:t>
             </a:fld>
             <a:endParaRPr lang="en-IN"/>
           </a:p>
@@ -5910,7 +6176,7 @@
           <a:p>
             <a:fld id="{3D9A6879-3A68-4662-AD2C-B2F027DDAF67}" type="datetimeFigureOut">
               <a:rPr lang="en-IN" smtClean="0"/>
-              <a:t>10-05-2025</a:t>
+              <a:t>18-07-2025</a:t>
             </a:fld>
             <a:endParaRPr lang="en-IN"/>
           </a:p>
@@ -6167,7 +6433,7 @@
           <a:p>
             <a:fld id="{3D9A6879-3A68-4662-AD2C-B2F027DDAF67}" type="datetimeFigureOut">
               <a:rPr lang="en-IN" smtClean="0"/>
-              <a:t>10-05-2025</a:t>
+              <a:t>18-07-2025</a:t>
             </a:fld>
             <a:endParaRPr lang="en-IN"/>
           </a:p>
@@ -6330,7 +6596,7 @@
           <a:p>
             <a:fld id="{3D9A6879-3A68-4662-AD2C-B2F027DDAF67}" type="datetimeFigureOut">
               <a:rPr lang="en-IN" smtClean="0"/>
-              <a:t>10-05-2025</a:t>
+              <a:t>18-07-2025</a:t>
             </a:fld>
             <a:endParaRPr lang="en-IN"/>
           </a:p>
@@ -6720,7 +6986,7 @@
           <a:p>
             <a:fld id="{3D9A6879-3A68-4662-AD2C-B2F027DDAF67}" type="datetimeFigureOut">
               <a:rPr lang="en-IN" smtClean="0"/>
-              <a:t>10-05-2025</a:t>
+              <a:t>18-07-2025</a:t>
             </a:fld>
             <a:endParaRPr lang="en-IN"/>
           </a:p>
@@ -7129,7 +7395,7 @@
           <a:p>
             <a:fld id="{3D9A6879-3A68-4662-AD2C-B2F027DDAF67}" type="datetimeFigureOut">
               <a:rPr lang="en-IN" smtClean="0"/>
-              <a:t>10-05-2025</a:t>
+              <a:t>18-07-2025</a:t>
             </a:fld>
             <a:endParaRPr lang="en-IN"/>
           </a:p>
@@ -7373,7 +7639,7 @@
           <a:p>
             <a:fld id="{3D9A6879-3A68-4662-AD2C-B2F027DDAF67}" type="datetimeFigureOut">
               <a:rPr lang="en-IN" smtClean="0"/>
-              <a:t>10-05-2025</a:t>
+              <a:t>18-07-2025</a:t>
             </a:fld>
             <a:endParaRPr lang="en-IN"/>
           </a:p>
@@ -7865,6 +8131,306 @@
 </p:sld>
 </file>
 
+<file path=ppt/slides/slide10.xml><?xml version="1.0" encoding="utf-8"?>
+<p:sld xmlns:a="http://schemas.openxmlformats.org/drawingml/2006/main" xmlns:r="http://schemas.openxmlformats.org/officeDocument/2006/relationships" xmlns:p="http://schemas.openxmlformats.org/presentationml/2006/main">
+  <p:cSld>
+    <p:spTree>
+      <p:nvGrpSpPr>
+        <p:cNvPr id="1" name=""/>
+        <p:cNvGrpSpPr/>
+        <p:nvPr/>
+      </p:nvGrpSpPr>
+      <p:grpSpPr>
+        <a:xfrm>
+          <a:off x="0" y="0"/>
+          <a:ext cx="0" cy="0"/>
+          <a:chOff x="0" y="0"/>
+          <a:chExt cx="0" cy="0"/>
+        </a:xfrm>
+      </p:grpSpPr>
+      <p:pic>
+        <p:nvPicPr>
+          <p:cNvPr id="3" name="Picture 2">
+            <a:extLst>
+              <a:ext uri="{FF2B5EF4-FFF2-40B4-BE49-F238E27FC236}">
+                <a16:creationId xmlns:a16="http://schemas.microsoft.com/office/drawing/2014/main" id="{5D6D6816-B757-EA5A-950D-2B05C16ECAF1}"/>
+              </a:ext>
+            </a:extLst>
+          </p:cNvPr>
+          <p:cNvPicPr>
+            <a:picLocks noChangeAspect="1"/>
+          </p:cNvPicPr>
+          <p:nvPr/>
+        </p:nvPicPr>
+        <p:blipFill>
+          <a:blip r:embed="rId2"/>
+          <a:stretch>
+            <a:fillRect/>
+          </a:stretch>
+        </p:blipFill>
+        <p:spPr>
+          <a:xfrm>
+            <a:off x="310209" y="177798"/>
+            <a:ext cx="10891189" cy="6096001"/>
+          </a:xfrm>
+          <a:prstGeom prst="rect">
+            <a:avLst/>
+          </a:prstGeom>
+        </p:spPr>
+      </p:pic>
+    </p:spTree>
+    <p:extLst>
+      <p:ext uri="{BB962C8B-B14F-4D97-AF65-F5344CB8AC3E}">
+        <p14:creationId xmlns:p14="http://schemas.microsoft.com/office/powerpoint/2010/main" val="1234199746"/>
+      </p:ext>
+    </p:extLst>
+  </p:cSld>
+  <p:clrMapOvr>
+    <a:masterClrMapping/>
+  </p:clrMapOvr>
+</p:sld>
+</file>
+
+<file path=ppt/slides/slide11.xml><?xml version="1.0" encoding="utf-8"?>
+<p:sld xmlns:a="http://schemas.openxmlformats.org/drawingml/2006/main" xmlns:r="http://schemas.openxmlformats.org/officeDocument/2006/relationships" xmlns:p="http://schemas.openxmlformats.org/presentationml/2006/main">
+  <p:cSld>
+    <p:spTree>
+      <p:nvGrpSpPr>
+        <p:cNvPr id="1" name=""/>
+        <p:cNvGrpSpPr/>
+        <p:nvPr/>
+      </p:nvGrpSpPr>
+      <p:grpSpPr>
+        <a:xfrm>
+          <a:off x="0" y="0"/>
+          <a:ext cx="0" cy="0"/>
+          <a:chOff x="0" y="0"/>
+          <a:chExt cx="0" cy="0"/>
+        </a:xfrm>
+      </p:grpSpPr>
+      <p:pic>
+        <p:nvPicPr>
+          <p:cNvPr id="5" name="Picture 4">
+            <a:extLst>
+              <a:ext uri="{FF2B5EF4-FFF2-40B4-BE49-F238E27FC236}">
+                <a16:creationId xmlns:a16="http://schemas.microsoft.com/office/drawing/2014/main" id="{973B6BCC-EE48-CFA6-5AD8-12E6CF291F6F}"/>
+              </a:ext>
+            </a:extLst>
+          </p:cNvPr>
+          <p:cNvPicPr>
+            <a:picLocks noChangeAspect="1"/>
+          </p:cNvPicPr>
+          <p:nvPr/>
+        </p:nvPicPr>
+        <p:blipFill>
+          <a:blip r:embed="rId2"/>
+          <a:stretch>
+            <a:fillRect/>
+          </a:stretch>
+        </p:blipFill>
+        <p:spPr>
+          <a:xfrm>
+            <a:off x="448501" y="364068"/>
+            <a:ext cx="10930699" cy="5909732"/>
+          </a:xfrm>
+          <a:prstGeom prst="rect">
+            <a:avLst/>
+          </a:prstGeom>
+        </p:spPr>
+      </p:pic>
+    </p:spTree>
+    <p:extLst>
+      <p:ext uri="{BB962C8B-B14F-4D97-AF65-F5344CB8AC3E}">
+        <p14:creationId xmlns:p14="http://schemas.microsoft.com/office/powerpoint/2010/main" val="3737438413"/>
+      </p:ext>
+    </p:extLst>
+  </p:cSld>
+  <p:clrMapOvr>
+    <a:masterClrMapping/>
+  </p:clrMapOvr>
+</p:sld>
+</file>
+
+<file path=ppt/slides/slide12.xml><?xml version="1.0" encoding="utf-8"?>
+<p:sld xmlns:a="http://schemas.openxmlformats.org/drawingml/2006/main" xmlns:r="http://schemas.openxmlformats.org/officeDocument/2006/relationships" xmlns:p="http://schemas.openxmlformats.org/presentationml/2006/main">
+  <p:cSld>
+    <p:spTree>
+      <p:nvGrpSpPr>
+        <p:cNvPr id="1" name=""/>
+        <p:cNvGrpSpPr/>
+        <p:nvPr/>
+      </p:nvGrpSpPr>
+      <p:grpSpPr>
+        <a:xfrm>
+          <a:off x="0" y="0"/>
+          <a:ext cx="0" cy="0"/>
+          <a:chOff x="0" y="0"/>
+          <a:chExt cx="0" cy="0"/>
+        </a:xfrm>
+      </p:grpSpPr>
+      <p:pic>
+        <p:nvPicPr>
+          <p:cNvPr id="3" name="Picture 2">
+            <a:extLst>
+              <a:ext uri="{FF2B5EF4-FFF2-40B4-BE49-F238E27FC236}">
+                <a16:creationId xmlns:a16="http://schemas.microsoft.com/office/drawing/2014/main" id="{3E15631F-A206-C960-DA50-576FC96FD1A9}"/>
+              </a:ext>
+            </a:extLst>
+          </p:cNvPr>
+          <p:cNvPicPr>
+            <a:picLocks noChangeAspect="1"/>
+          </p:cNvPicPr>
+          <p:nvPr/>
+        </p:nvPicPr>
+        <p:blipFill>
+          <a:blip r:embed="rId2"/>
+          <a:stretch>
+            <a:fillRect/>
+          </a:stretch>
+        </p:blipFill>
+        <p:spPr>
+          <a:xfrm>
+            <a:off x="330200" y="262466"/>
+            <a:ext cx="11116733" cy="6155267"/>
+          </a:xfrm>
+          <a:prstGeom prst="rect">
+            <a:avLst/>
+          </a:prstGeom>
+        </p:spPr>
+      </p:pic>
+    </p:spTree>
+    <p:extLst>
+      <p:ext uri="{BB962C8B-B14F-4D97-AF65-F5344CB8AC3E}">
+        <p14:creationId xmlns:p14="http://schemas.microsoft.com/office/powerpoint/2010/main" val="3793310565"/>
+      </p:ext>
+    </p:extLst>
+  </p:cSld>
+  <p:clrMapOvr>
+    <a:masterClrMapping/>
+  </p:clrMapOvr>
+</p:sld>
+</file>
+
+<file path=ppt/slides/slide13.xml><?xml version="1.0" encoding="utf-8"?>
+<p:sld xmlns:a="http://schemas.openxmlformats.org/drawingml/2006/main" xmlns:r="http://schemas.openxmlformats.org/officeDocument/2006/relationships" xmlns:p="http://schemas.openxmlformats.org/presentationml/2006/main">
+  <p:cSld>
+    <p:spTree>
+      <p:nvGrpSpPr>
+        <p:cNvPr id="1" name=""/>
+        <p:cNvGrpSpPr/>
+        <p:nvPr/>
+      </p:nvGrpSpPr>
+      <p:grpSpPr>
+        <a:xfrm>
+          <a:off x="0" y="0"/>
+          <a:ext cx="0" cy="0"/>
+          <a:chOff x="0" y="0"/>
+          <a:chExt cx="0" cy="0"/>
+        </a:xfrm>
+      </p:grpSpPr>
+      <p:pic>
+        <p:nvPicPr>
+          <p:cNvPr id="5" name="Picture 4">
+            <a:extLst>
+              <a:ext uri="{FF2B5EF4-FFF2-40B4-BE49-F238E27FC236}">
+                <a16:creationId xmlns:a16="http://schemas.microsoft.com/office/drawing/2014/main" id="{4A1E549F-595F-817D-8E5A-2AB11337F5BD}"/>
+              </a:ext>
+            </a:extLst>
+          </p:cNvPr>
+          <p:cNvPicPr>
+            <a:picLocks noChangeAspect="1"/>
+          </p:cNvPicPr>
+          <p:nvPr/>
+        </p:nvPicPr>
+        <p:blipFill>
+          <a:blip r:embed="rId2"/>
+          <a:stretch>
+            <a:fillRect/>
+          </a:stretch>
+        </p:blipFill>
+        <p:spPr>
+          <a:xfrm>
+            <a:off x="237067" y="196642"/>
+            <a:ext cx="11319933" cy="5882425"/>
+          </a:xfrm>
+          <a:prstGeom prst="rect">
+            <a:avLst/>
+          </a:prstGeom>
+        </p:spPr>
+      </p:pic>
+    </p:spTree>
+    <p:extLst>
+      <p:ext uri="{BB962C8B-B14F-4D97-AF65-F5344CB8AC3E}">
+        <p14:creationId xmlns:p14="http://schemas.microsoft.com/office/powerpoint/2010/main" val="216352637"/>
+      </p:ext>
+    </p:extLst>
+  </p:cSld>
+  <p:clrMapOvr>
+    <a:masterClrMapping/>
+  </p:clrMapOvr>
+</p:sld>
+</file>
+
+<file path=ppt/slides/slide14.xml><?xml version="1.0" encoding="utf-8"?>
+<p:sld xmlns:a="http://schemas.openxmlformats.org/drawingml/2006/main" xmlns:r="http://schemas.openxmlformats.org/officeDocument/2006/relationships" xmlns:p="http://schemas.openxmlformats.org/presentationml/2006/main">
+  <p:cSld>
+    <p:spTree>
+      <p:nvGrpSpPr>
+        <p:cNvPr id="1" name=""/>
+        <p:cNvGrpSpPr/>
+        <p:nvPr/>
+      </p:nvGrpSpPr>
+      <p:grpSpPr>
+        <a:xfrm>
+          <a:off x="0" y="0"/>
+          <a:ext cx="0" cy="0"/>
+          <a:chOff x="0" y="0"/>
+          <a:chExt cx="0" cy="0"/>
+        </a:xfrm>
+      </p:grpSpPr>
+      <p:pic>
+        <p:nvPicPr>
+          <p:cNvPr id="3" name="Picture 2">
+            <a:extLst>
+              <a:ext uri="{FF2B5EF4-FFF2-40B4-BE49-F238E27FC236}">
+                <a16:creationId xmlns:a16="http://schemas.microsoft.com/office/drawing/2014/main" id="{63693925-9699-79ED-7649-E090F269A042}"/>
+              </a:ext>
+            </a:extLst>
+          </p:cNvPr>
+          <p:cNvPicPr>
+            <a:picLocks noChangeAspect="1"/>
+          </p:cNvPicPr>
+          <p:nvPr/>
+        </p:nvPicPr>
+        <p:blipFill>
+          <a:blip r:embed="rId2"/>
+          <a:stretch>
+            <a:fillRect/>
+          </a:stretch>
+        </p:blipFill>
+        <p:spPr>
+          <a:xfrm>
+            <a:off x="372709" y="397933"/>
+            <a:ext cx="11344984" cy="5791199"/>
+          </a:xfrm>
+          <a:prstGeom prst="rect">
+            <a:avLst/>
+          </a:prstGeom>
+        </p:spPr>
+      </p:pic>
+    </p:spTree>
+    <p:extLst>
+      <p:ext uri="{BB962C8B-B14F-4D97-AF65-F5344CB8AC3E}">
+        <p14:creationId xmlns:p14="http://schemas.microsoft.com/office/powerpoint/2010/main" val="1200055323"/>
+      </p:ext>
+    </p:extLst>
+  </p:cSld>
+  <p:clrMapOvr>
+    <a:masterClrMapping/>
+  </p:clrMapOvr>
+</p:sld>
+</file>
+
 <file path=ppt/slides/slide2.xml><?xml version="1.0" encoding="utf-8"?>
 <p:sld xmlns:a="http://schemas.openxmlformats.org/drawingml/2006/main" xmlns:r="http://schemas.openxmlformats.org/officeDocument/2006/relationships" xmlns:p="http://schemas.openxmlformats.org/presentationml/2006/main">
   <p:cSld>
@@ -7905,7 +8471,7 @@
         <p:spPr>
           <a:xfrm>
             <a:off x="326394" y="259065"/>
-            <a:ext cx="10019874" cy="1595136"/>
+            <a:ext cx="10138406" cy="5193468"/>
           </a:xfrm>
           <a:prstGeom prst="rect">
             <a:avLst/>
@@ -7942,6 +8508,36 @@
           </a:sp3d>
         </p:spPr>
       </p:pic>
+    </p:spTree>
+    <p:extLst>
+      <p:ext uri="{BB962C8B-B14F-4D97-AF65-F5344CB8AC3E}">
+        <p14:creationId xmlns:p14="http://schemas.microsoft.com/office/powerpoint/2010/main" val="2969943686"/>
+      </p:ext>
+    </p:extLst>
+  </p:cSld>
+  <p:clrMapOvr>
+    <a:masterClrMapping/>
+  </p:clrMapOvr>
+</p:sld>
+</file>
+
+<file path=ppt/slides/slide3.xml><?xml version="1.0" encoding="utf-8"?>
+<p:sld xmlns:a="http://schemas.openxmlformats.org/drawingml/2006/main" xmlns:r="http://schemas.openxmlformats.org/officeDocument/2006/relationships" xmlns:p="http://schemas.openxmlformats.org/presentationml/2006/main">
+  <p:cSld>
+    <p:spTree>
+      <p:nvGrpSpPr>
+        <p:cNvPr id="1" name=""/>
+        <p:cNvGrpSpPr/>
+        <p:nvPr/>
+      </p:nvGrpSpPr>
+      <p:grpSpPr>
+        <a:xfrm>
+          <a:off x="0" y="0"/>
+          <a:ext cx="0" cy="0"/>
+          <a:chOff x="0" y="0"/>
+          <a:chExt cx="0" cy="0"/>
+        </a:xfrm>
+      </p:grpSpPr>
       <p:pic>
         <p:nvPicPr>
           <p:cNvPr id="5" name="Picture 4">
@@ -7957,15 +8553,15 @@
           <p:nvPr/>
         </p:nvPicPr>
         <p:blipFill>
-          <a:blip r:embed="rId3"/>
+          <a:blip r:embed="rId2"/>
           <a:stretch>
             <a:fillRect/>
           </a:stretch>
         </p:blipFill>
         <p:spPr>
           <a:xfrm>
-            <a:off x="235921" y="2218267"/>
-            <a:ext cx="10432079" cy="4402667"/>
+            <a:off x="337521" y="440266"/>
+            <a:ext cx="10652212" cy="5520267"/>
           </a:xfrm>
           <a:prstGeom prst="rect">
             <a:avLst/>
@@ -7975,7 +8571,7 @@
     </p:spTree>
     <p:extLst>
       <p:ext uri="{BB962C8B-B14F-4D97-AF65-F5344CB8AC3E}">
-        <p14:creationId xmlns:p14="http://schemas.microsoft.com/office/powerpoint/2010/main" val="2969943686"/>
+        <p14:creationId xmlns:p14="http://schemas.microsoft.com/office/powerpoint/2010/main" val="3380912468"/>
       </p:ext>
     </p:extLst>
   </p:cSld>
@@ -7985,7 +8581,7 @@
 </p:sld>
 </file>
 
-<file path=ppt/slides/slide3.xml><?xml version="1.0" encoding="utf-8"?>
+<file path=ppt/slides/slide4.xml><?xml version="1.0" encoding="utf-8"?>
 <p:sld xmlns:a="http://schemas.openxmlformats.org/drawingml/2006/main" xmlns:r="http://schemas.openxmlformats.org/officeDocument/2006/relationships" xmlns:p="http://schemas.openxmlformats.org/presentationml/2006/main">
   <p:cSld>
     <p:spTree>
@@ -8024,14 +8620,44 @@
         </p:blipFill>
         <p:spPr>
           <a:xfrm>
-            <a:off x="347133" y="170192"/>
-            <a:ext cx="9431867" cy="2403675"/>
+            <a:off x="347133" y="170191"/>
+            <a:ext cx="10143067" cy="5654875"/>
           </a:xfrm>
           <a:prstGeom prst="rect">
             <a:avLst/>
           </a:prstGeom>
         </p:spPr>
       </p:pic>
+    </p:spTree>
+    <p:extLst>
+      <p:ext uri="{BB962C8B-B14F-4D97-AF65-F5344CB8AC3E}">
+        <p14:creationId xmlns:p14="http://schemas.microsoft.com/office/powerpoint/2010/main" val="6089360"/>
+      </p:ext>
+    </p:extLst>
+  </p:cSld>
+  <p:clrMapOvr>
+    <a:masterClrMapping/>
+  </p:clrMapOvr>
+</p:sld>
+</file>
+
+<file path=ppt/slides/slide5.xml><?xml version="1.0" encoding="utf-8"?>
+<p:sld xmlns:a="http://schemas.openxmlformats.org/drawingml/2006/main" xmlns:r="http://schemas.openxmlformats.org/officeDocument/2006/relationships" xmlns:p="http://schemas.openxmlformats.org/presentationml/2006/main">
+  <p:cSld>
+    <p:spTree>
+      <p:nvGrpSpPr>
+        <p:cNvPr id="1" name=""/>
+        <p:cNvGrpSpPr/>
+        <p:nvPr/>
+      </p:nvGrpSpPr>
+      <p:grpSpPr>
+        <a:xfrm>
+          <a:off x="0" y="0"/>
+          <a:ext cx="0" cy="0"/>
+          <a:chOff x="0" y="0"/>
+          <a:chExt cx="0" cy="0"/>
+        </a:xfrm>
+      </p:grpSpPr>
       <p:pic>
         <p:nvPicPr>
           <p:cNvPr id="5" name="Picture 4">
@@ -8047,15 +8673,15 @@
           <p:nvPr/>
         </p:nvPicPr>
         <p:blipFill>
-          <a:blip r:embed="rId3"/>
+          <a:blip r:embed="rId2"/>
           <a:stretch>
             <a:fillRect/>
           </a:stretch>
         </p:blipFill>
         <p:spPr>
           <a:xfrm>
-            <a:off x="338667" y="2827867"/>
-            <a:ext cx="9423400" cy="3886200"/>
+            <a:off x="618067" y="372533"/>
+            <a:ext cx="9914466" cy="5952067"/>
           </a:xfrm>
           <a:prstGeom prst="rect">
             <a:avLst/>
@@ -8065,7 +8691,7 @@
     </p:spTree>
     <p:extLst>
       <p:ext uri="{BB962C8B-B14F-4D97-AF65-F5344CB8AC3E}">
-        <p14:creationId xmlns:p14="http://schemas.microsoft.com/office/powerpoint/2010/main" val="6089360"/>
+        <p14:creationId xmlns:p14="http://schemas.microsoft.com/office/powerpoint/2010/main" val="1752433674"/>
       </p:ext>
     </p:extLst>
   </p:cSld>
@@ -8075,7 +8701,7 @@
 </p:sld>
 </file>
 
-<file path=ppt/slides/slide4.xml><?xml version="1.0" encoding="utf-8"?>
+<file path=ppt/slides/slide6.xml><?xml version="1.0" encoding="utf-8"?>
 <p:sld xmlns:a="http://schemas.openxmlformats.org/drawingml/2006/main" xmlns:r="http://schemas.openxmlformats.org/officeDocument/2006/relationships" xmlns:p="http://schemas.openxmlformats.org/presentationml/2006/main">
   <p:cSld>
     <p:spTree>
@@ -8114,14 +8740,44 @@
         </p:blipFill>
         <p:spPr>
           <a:xfrm>
-            <a:off x="160867" y="126444"/>
-            <a:ext cx="11336866" cy="3285623"/>
+            <a:off x="237067" y="151844"/>
+            <a:ext cx="11336866" cy="6240489"/>
           </a:xfrm>
           <a:prstGeom prst="rect">
             <a:avLst/>
           </a:prstGeom>
         </p:spPr>
       </p:pic>
+    </p:spTree>
+    <p:extLst>
+      <p:ext uri="{BB962C8B-B14F-4D97-AF65-F5344CB8AC3E}">
+        <p14:creationId xmlns:p14="http://schemas.microsoft.com/office/powerpoint/2010/main" val="2840085054"/>
+      </p:ext>
+    </p:extLst>
+  </p:cSld>
+  <p:clrMapOvr>
+    <a:masterClrMapping/>
+  </p:clrMapOvr>
+</p:sld>
+</file>
+
+<file path=ppt/slides/slide7.xml><?xml version="1.0" encoding="utf-8"?>
+<p:sld xmlns:a="http://schemas.openxmlformats.org/drawingml/2006/main" xmlns:r="http://schemas.openxmlformats.org/officeDocument/2006/relationships" xmlns:p="http://schemas.openxmlformats.org/presentationml/2006/main">
+  <p:cSld>
+    <p:spTree>
+      <p:nvGrpSpPr>
+        <p:cNvPr id="1" name=""/>
+        <p:cNvGrpSpPr/>
+        <p:nvPr/>
+      </p:nvGrpSpPr>
+      <p:grpSpPr>
+        <a:xfrm>
+          <a:off x="0" y="0"/>
+          <a:ext cx="0" cy="0"/>
+          <a:chOff x="0" y="0"/>
+          <a:chExt cx="0" cy="0"/>
+        </a:xfrm>
+      </p:grpSpPr>
       <p:pic>
         <p:nvPicPr>
           <p:cNvPr id="5" name="Picture 4">
@@ -8137,15 +8793,15 @@
           <p:nvPr/>
         </p:nvPicPr>
         <p:blipFill>
-          <a:blip r:embed="rId3"/>
+          <a:blip r:embed="rId2"/>
           <a:stretch>
             <a:fillRect/>
           </a:stretch>
         </p:blipFill>
         <p:spPr>
           <a:xfrm>
-            <a:off x="205131" y="3623733"/>
-            <a:ext cx="11292601" cy="2971801"/>
+            <a:off x="340598" y="296333"/>
+            <a:ext cx="11292601" cy="6155267"/>
           </a:xfrm>
           <a:prstGeom prst="rect">
             <a:avLst/>
@@ -8155,7 +8811,7 @@
     </p:spTree>
     <p:extLst>
       <p:ext uri="{BB962C8B-B14F-4D97-AF65-F5344CB8AC3E}">
-        <p14:creationId xmlns:p14="http://schemas.microsoft.com/office/powerpoint/2010/main" val="2840085054"/>
+        <p14:creationId xmlns:p14="http://schemas.microsoft.com/office/powerpoint/2010/main" val="161976504"/>
       </p:ext>
     </p:extLst>
   </p:cSld>
@@ -8165,7 +8821,7 @@
 </p:sld>
 </file>
 
-<file path=ppt/slides/slide5.xml><?xml version="1.0" encoding="utf-8"?>
+<file path=ppt/slides/slide8.xml><?xml version="1.0" encoding="utf-8"?>
 <p:sld xmlns:a="http://schemas.openxmlformats.org/drawingml/2006/main" xmlns:r="http://schemas.openxmlformats.org/officeDocument/2006/relationships" xmlns:p="http://schemas.openxmlformats.org/presentationml/2006/main">
   <p:cSld>
     <p:spTree>
@@ -8204,38 +8860,8 @@
         </p:blipFill>
         <p:spPr>
           <a:xfrm>
-            <a:off x="158526" y="190272"/>
-            <a:ext cx="10774279" cy="2849262"/>
-          </a:xfrm>
-          <a:prstGeom prst="rect">
-            <a:avLst/>
-          </a:prstGeom>
-        </p:spPr>
-      </p:pic>
-      <p:pic>
-        <p:nvPicPr>
-          <p:cNvPr id="5" name="Picture 4">
-            <a:extLst>
-              <a:ext uri="{FF2B5EF4-FFF2-40B4-BE49-F238E27FC236}">
-                <a16:creationId xmlns:a16="http://schemas.microsoft.com/office/drawing/2014/main" id="{6F4B1C48-A028-3180-F522-2259867B3B24}"/>
-              </a:ext>
-            </a:extLst>
-          </p:cNvPr>
-          <p:cNvPicPr>
-            <a:picLocks noChangeAspect="1"/>
-          </p:cNvPicPr>
-          <p:nvPr/>
-        </p:nvPicPr>
-        <p:blipFill>
-          <a:blip r:embed="rId3"/>
-          <a:stretch>
-            <a:fillRect/>
-          </a:stretch>
-        </p:blipFill>
-        <p:spPr>
-          <a:xfrm>
-            <a:off x="180727" y="3251200"/>
-            <a:ext cx="10775140" cy="3293533"/>
+            <a:off x="480259" y="215671"/>
+            <a:ext cx="11203741" cy="5956529"/>
           </a:xfrm>
           <a:prstGeom prst="rect">
             <a:avLst/>
@@ -8255,157 +8881,7 @@
 </p:sld>
 </file>
 
-<file path=ppt/slides/slide6.xml><?xml version="1.0" encoding="utf-8"?>
-<p:sld xmlns:a="http://schemas.openxmlformats.org/drawingml/2006/main" xmlns:r="http://schemas.openxmlformats.org/officeDocument/2006/relationships" xmlns:p="http://schemas.openxmlformats.org/presentationml/2006/main">
-  <p:cSld>
-    <p:spTree>
-      <p:nvGrpSpPr>
-        <p:cNvPr id="1" name=""/>
-        <p:cNvGrpSpPr/>
-        <p:nvPr/>
-      </p:nvGrpSpPr>
-      <p:grpSpPr>
-        <a:xfrm>
-          <a:off x="0" y="0"/>
-          <a:ext cx="0" cy="0"/>
-          <a:chOff x="0" y="0"/>
-          <a:chExt cx="0" cy="0"/>
-        </a:xfrm>
-      </p:grpSpPr>
-      <p:pic>
-        <p:nvPicPr>
-          <p:cNvPr id="3" name="Picture 2">
-            <a:extLst>
-              <a:ext uri="{FF2B5EF4-FFF2-40B4-BE49-F238E27FC236}">
-                <a16:creationId xmlns:a16="http://schemas.microsoft.com/office/drawing/2014/main" id="{5D6D6816-B757-EA5A-950D-2B05C16ECAF1}"/>
-              </a:ext>
-            </a:extLst>
-          </p:cNvPr>
-          <p:cNvPicPr>
-            <a:picLocks noChangeAspect="1"/>
-          </p:cNvPicPr>
-          <p:nvPr/>
-        </p:nvPicPr>
-        <p:blipFill>
-          <a:blip r:embed="rId2"/>
-          <a:stretch>
-            <a:fillRect/>
-          </a:stretch>
-        </p:blipFill>
-        <p:spPr>
-          <a:xfrm>
-            <a:off x="310209" y="177799"/>
-            <a:ext cx="10891189" cy="3496734"/>
-          </a:xfrm>
-          <a:prstGeom prst="rect">
-            <a:avLst/>
-          </a:prstGeom>
-        </p:spPr>
-      </p:pic>
-      <p:pic>
-        <p:nvPicPr>
-          <p:cNvPr id="5" name="Picture 4">
-            <a:extLst>
-              <a:ext uri="{FF2B5EF4-FFF2-40B4-BE49-F238E27FC236}">
-                <a16:creationId xmlns:a16="http://schemas.microsoft.com/office/drawing/2014/main" id="{973B6BCC-EE48-CFA6-5AD8-12E6CF291F6F}"/>
-              </a:ext>
-            </a:extLst>
-          </p:cNvPr>
-          <p:cNvPicPr>
-            <a:picLocks noChangeAspect="1"/>
-          </p:cNvPicPr>
-          <p:nvPr/>
-        </p:nvPicPr>
-        <p:blipFill>
-          <a:blip r:embed="rId3"/>
-          <a:stretch>
-            <a:fillRect/>
-          </a:stretch>
-        </p:blipFill>
-        <p:spPr>
-          <a:xfrm>
-            <a:off x="321501" y="3876386"/>
-            <a:ext cx="10930699" cy="2829214"/>
-          </a:xfrm>
-          <a:prstGeom prst="rect">
-            <a:avLst/>
-          </a:prstGeom>
-        </p:spPr>
-      </p:pic>
-    </p:spTree>
-    <p:extLst>
-      <p:ext uri="{BB962C8B-B14F-4D97-AF65-F5344CB8AC3E}">
-        <p14:creationId xmlns:p14="http://schemas.microsoft.com/office/powerpoint/2010/main" val="1234199746"/>
-      </p:ext>
-    </p:extLst>
-  </p:cSld>
-  <p:clrMapOvr>
-    <a:masterClrMapping/>
-  </p:clrMapOvr>
-</p:sld>
-</file>
-
-<file path=ppt/slides/slide7.xml><?xml version="1.0" encoding="utf-8"?>
-<p:sld xmlns:a="http://schemas.openxmlformats.org/drawingml/2006/main" xmlns:r="http://schemas.openxmlformats.org/officeDocument/2006/relationships" xmlns:p="http://schemas.openxmlformats.org/presentationml/2006/main">
-  <p:cSld>
-    <p:spTree>
-      <p:nvGrpSpPr>
-        <p:cNvPr id="1" name=""/>
-        <p:cNvGrpSpPr/>
-        <p:nvPr/>
-      </p:nvGrpSpPr>
-      <p:grpSpPr>
-        <a:xfrm>
-          <a:off x="0" y="0"/>
-          <a:ext cx="0" cy="0"/>
-          <a:chOff x="0" y="0"/>
-          <a:chExt cx="0" cy="0"/>
-        </a:xfrm>
-      </p:grpSpPr>
-      <p:pic>
-        <p:nvPicPr>
-          <p:cNvPr id="3" name="Picture 2">
-            <a:extLst>
-              <a:ext uri="{FF2B5EF4-FFF2-40B4-BE49-F238E27FC236}">
-                <a16:creationId xmlns:a16="http://schemas.microsoft.com/office/drawing/2014/main" id="{3E15631F-A206-C960-DA50-576FC96FD1A9}"/>
-              </a:ext>
-            </a:extLst>
-          </p:cNvPr>
-          <p:cNvPicPr>
-            <a:picLocks noChangeAspect="1"/>
-          </p:cNvPicPr>
-          <p:nvPr/>
-        </p:nvPicPr>
-        <p:blipFill>
-          <a:blip r:embed="rId2"/>
-          <a:stretch>
-            <a:fillRect/>
-          </a:stretch>
-        </p:blipFill>
-        <p:spPr>
-          <a:xfrm>
-            <a:off x="177800" y="169333"/>
-            <a:ext cx="11116733" cy="5715000"/>
-          </a:xfrm>
-          <a:prstGeom prst="rect">
-            <a:avLst/>
-          </a:prstGeom>
-        </p:spPr>
-      </p:pic>
-    </p:spTree>
-    <p:extLst>
-      <p:ext uri="{BB962C8B-B14F-4D97-AF65-F5344CB8AC3E}">
-        <p14:creationId xmlns:p14="http://schemas.microsoft.com/office/powerpoint/2010/main" val="3793310565"/>
-      </p:ext>
-    </p:extLst>
-  </p:cSld>
-  <p:clrMapOvr>
-    <a:masterClrMapping/>
-  </p:clrMapOvr>
-</p:sld>
-</file>
-
-<file path=ppt/slides/slide8.xml><?xml version="1.0" encoding="utf-8"?>
+<file path=ppt/slides/slide9.xml><?xml version="1.0" encoding="utf-8"?>
 <p:sld xmlns:a="http://schemas.openxmlformats.org/drawingml/2006/main" xmlns:r="http://schemas.openxmlformats.org/officeDocument/2006/relationships" xmlns:p="http://schemas.openxmlformats.org/presentationml/2006/main">
   <p:cSld>
     <p:spTree>
@@ -8427,7 +8903,7 @@
           <p:cNvPr id="5" name="Picture 4">
             <a:extLst>
               <a:ext uri="{FF2B5EF4-FFF2-40B4-BE49-F238E27FC236}">
-                <a16:creationId xmlns:a16="http://schemas.microsoft.com/office/drawing/2014/main" id="{4A1E549F-595F-817D-8E5A-2AB11337F5BD}"/>
+                <a16:creationId xmlns:a16="http://schemas.microsoft.com/office/drawing/2014/main" id="{6F4B1C48-A028-3180-F522-2259867B3B24}"/>
               </a:ext>
             </a:extLst>
           </p:cNvPr>
@@ -8444,38 +8920,8 @@
         </p:blipFill>
         <p:spPr>
           <a:xfrm>
-            <a:off x="237067" y="196642"/>
-            <a:ext cx="11319933" cy="2952957"/>
-          </a:xfrm>
-          <a:prstGeom prst="rect">
-            <a:avLst/>
-          </a:prstGeom>
-        </p:spPr>
-      </p:pic>
-      <p:pic>
-        <p:nvPicPr>
-          <p:cNvPr id="3" name="Picture 2">
-            <a:extLst>
-              <a:ext uri="{FF2B5EF4-FFF2-40B4-BE49-F238E27FC236}">
-                <a16:creationId xmlns:a16="http://schemas.microsoft.com/office/drawing/2014/main" id="{63693925-9699-79ED-7649-E090F269A042}"/>
-              </a:ext>
-            </a:extLst>
-          </p:cNvPr>
-          <p:cNvPicPr>
-            <a:picLocks noChangeAspect="1"/>
-          </p:cNvPicPr>
-          <p:nvPr/>
-        </p:nvPicPr>
-        <p:blipFill>
-          <a:blip r:embed="rId3"/>
-          <a:stretch>
-            <a:fillRect/>
-          </a:stretch>
-        </p:blipFill>
-        <p:spPr>
-          <a:xfrm>
-            <a:off x="228775" y="3175000"/>
-            <a:ext cx="11344984" cy="3479800"/>
+            <a:off x="290793" y="321733"/>
+            <a:ext cx="10893673" cy="5791200"/>
           </a:xfrm>
           <a:prstGeom prst="rect">
             <a:avLst/>
@@ -8485,7 +8931,7 @@
     </p:spTree>
     <p:extLst>
       <p:ext uri="{BB962C8B-B14F-4D97-AF65-F5344CB8AC3E}">
-        <p14:creationId xmlns:p14="http://schemas.microsoft.com/office/powerpoint/2010/main" val="216352637"/>
+        <p14:creationId xmlns:p14="http://schemas.microsoft.com/office/powerpoint/2010/main" val="725361783"/>
       </p:ext>
     </p:extLst>
   </p:cSld>
